--- a/VinID.pptx
+++ b/VinID.pptx
@@ -3771,7 +3771,7 @@
         <p:spPr/>
         <p:txBody>
           <a:bodyPr>
-            <a:normAutofit lnSpcReduction="10000"/>
+            <a:normAutofit fontScale="92500" lnSpcReduction="20000"/>
           </a:bodyPr>
           <a:lstStyle/>
           <a:p>
@@ -3818,6 +3818,23 @@
               <a:rPr lang="en-US" dirty="0"/>
               <a:t>Ratio of reorder items</a:t>
             </a:r>
+          </a:p>
+          <a:p>
+            <a:r>
+              <a:rPr lang="en-US" dirty="0"/>
+              <a:t>Number of reorder products</a:t>
+            </a:r>
+          </a:p>
+          <a:p>
+            <a:r>
+              <a:rPr lang="en-US" dirty="0"/>
+              <a:t>Frequency of </a:t>
+            </a:r>
+            <a:r>
+              <a:rPr lang="en-US"/>
+              <a:t>Reorder items</a:t>
+            </a:r>
+            <a:endParaRPr lang="en-US" dirty="0"/>
           </a:p>
           <a:p>
             <a:r>
